--- a/portfolio Kyznetsov/Портфолио-отчёт Кузнецов.pptx
+++ b/portfolio Kyznetsov/Портфолио-отчёт Кузнецов.pptx
@@ -50249,7 +50249,7 @@
         </p:nvSpPr>
         <p:spPr>
           <a:xfrm>
-            <a:off x="1251575" y="919825"/>
+            <a:off x="1251575" y="1130843"/>
             <a:ext cx="10158600" cy="501012"/>
           </a:xfrm>
           <a:prstGeom prst="rect">
@@ -50277,7 +50277,7 @@
             </a:r>
             <a:r>
               <a:rPr lang="en-US" sz="3200" dirty="0"/>
-              <a:t>Git Hub: </a:t>
+              <a:t>Git Hub: https://github.com/podoconn1k/portfolio</a:t>
             </a:r>
             <a:endParaRPr sz="3200" dirty="0"/>
           </a:p>
@@ -50299,7 +50299,7 @@
         </p:nvSpPr>
         <p:spPr>
           <a:xfrm>
-            <a:off x="1251575" y="1677135"/>
+            <a:off x="1589200" y="1354820"/>
             <a:ext cx="10158600" cy="4118753"/>
           </a:xfrm>
           <a:prstGeom prst="rect">
@@ -50562,7 +50562,10 @@
             </a:lvl9pPr>
           </a:lstStyle>
           <a:p>
-            <a:endParaRPr lang="ru-RU" sz="1800" dirty="0"/>
+            <a:r>
+              <a:rPr lang="ru-RU" sz="6600" dirty="0"/>
+              <a:t>Спасибо за внимание!</a:t>
+            </a:r>
           </a:p>
         </p:txBody>
       </p:sp>
